--- a/スキルシート.pptx
+++ b/スキルシート.pptx
@@ -6,6 +6,7 @@
   </p:sldMasterIdLst>
   <p:sldIdLst>
     <p:sldId id="256" r:id="rId2"/>
+    <p:sldId id="257" r:id="rId3"/>
   </p:sldIdLst>
   <p:sldSz cx="12192000" cy="6858000"/>
   <p:notesSz cx="6858000" cy="9144000"/>
@@ -104,6 +105,11 @@
       </a:defRPr>
     </a:lvl9pPr>
   </p:defaultTextStyle>
+  <p:extLst>
+    <p:ext uri="{EFAFB233-063F-42B5-8137-9DF3F51BA10A}">
+      <p15:sldGuideLst xmlns:p15="http://schemas.microsoft.com/office/powerpoint/2012/main"/>
+    </p:ext>
+  </p:extLst>
 </p:presentation>
 </file>
 
@@ -240,7 +246,7 @@
           <a:p>
             <a:fld id="{DB16C1AC-1A6D-4D76-AEDA-B09BAE0E75BE}" type="datetimeFigureOut">
               <a:rPr kumimoji="1" lang="ja-JP" altLang="en-US" smtClean="0"/>
-              <a:t>2024/4/3</a:t>
+              <a:t>2024/4/4</a:t>
             </a:fld>
             <a:endParaRPr kumimoji="1" lang="ja-JP" altLang="en-US"/>
           </a:p>
@@ -527,7 +533,7 @@
           <a:p>
             <a:fld id="{DB16C1AC-1A6D-4D76-AEDA-B09BAE0E75BE}" type="datetimeFigureOut">
               <a:rPr kumimoji="1" lang="ja-JP" altLang="en-US" smtClean="0"/>
-              <a:t>2024/4/3</a:t>
+              <a:t>2024/4/4</a:t>
             </a:fld>
             <a:endParaRPr kumimoji="1" lang="ja-JP" altLang="en-US"/>
           </a:p>
@@ -719,7 +725,7 @@
           <a:p>
             <a:fld id="{DB16C1AC-1A6D-4D76-AEDA-B09BAE0E75BE}" type="datetimeFigureOut">
               <a:rPr kumimoji="1" lang="ja-JP" altLang="en-US" smtClean="0"/>
-              <a:t>2024/4/3</a:t>
+              <a:t>2024/4/4</a:t>
             </a:fld>
             <a:endParaRPr kumimoji="1" lang="ja-JP" altLang="en-US"/>
           </a:p>
@@ -980,7 +986,7 @@
           <a:p>
             <a:fld id="{DB16C1AC-1A6D-4D76-AEDA-B09BAE0E75BE}" type="datetimeFigureOut">
               <a:rPr kumimoji="1" lang="ja-JP" altLang="en-US" smtClean="0"/>
-              <a:t>2024/4/3</a:t>
+              <a:t>2024/4/4</a:t>
             </a:fld>
             <a:endParaRPr kumimoji="1" lang="ja-JP" altLang="en-US"/>
           </a:p>
@@ -1404,7 +1410,7 @@
           <a:p>
             <a:fld id="{DB16C1AC-1A6D-4D76-AEDA-B09BAE0E75BE}" type="datetimeFigureOut">
               <a:rPr kumimoji="1" lang="ja-JP" altLang="en-US" smtClean="0"/>
-              <a:t>2024/4/3</a:t>
+              <a:t>2024/4/4</a:t>
             </a:fld>
             <a:endParaRPr kumimoji="1" lang="ja-JP" altLang="en-US"/>
           </a:p>
@@ -1950,7 +1956,7 @@
           <a:p>
             <a:fld id="{DB16C1AC-1A6D-4D76-AEDA-B09BAE0E75BE}" type="datetimeFigureOut">
               <a:rPr kumimoji="1" lang="ja-JP" altLang="en-US" smtClean="0"/>
-              <a:t>2024/4/3</a:t>
+              <a:t>2024/4/4</a:t>
             </a:fld>
             <a:endParaRPr kumimoji="1" lang="ja-JP" altLang="en-US"/>
           </a:p>
@@ -2790,7 +2796,7 @@
           <a:p>
             <a:fld id="{DB16C1AC-1A6D-4D76-AEDA-B09BAE0E75BE}" type="datetimeFigureOut">
               <a:rPr kumimoji="1" lang="ja-JP" altLang="en-US" smtClean="0"/>
-              <a:t>2024/4/3</a:t>
+              <a:t>2024/4/4</a:t>
             </a:fld>
             <a:endParaRPr kumimoji="1" lang="ja-JP" altLang="en-US"/>
           </a:p>
@@ -2992,7 +2998,7 @@
           <a:p>
             <a:fld id="{DB16C1AC-1A6D-4D76-AEDA-B09BAE0E75BE}" type="datetimeFigureOut">
               <a:rPr kumimoji="1" lang="ja-JP" altLang="en-US" smtClean="0"/>
-              <a:t>2024/4/3</a:t>
+              <a:t>2024/4/4</a:t>
             </a:fld>
             <a:endParaRPr kumimoji="1" lang="ja-JP" altLang="en-US"/>
           </a:p>
@@ -3208,7 +3214,7 @@
           <a:p>
             <a:fld id="{DB16C1AC-1A6D-4D76-AEDA-B09BAE0E75BE}" type="datetimeFigureOut">
               <a:rPr kumimoji="1" lang="ja-JP" altLang="en-US" smtClean="0"/>
-              <a:t>2024/4/3</a:t>
+              <a:t>2024/4/4</a:t>
             </a:fld>
             <a:endParaRPr kumimoji="1" lang="ja-JP" altLang="en-US"/>
           </a:p>
@@ -3410,7 +3416,7 @@
           <a:p>
             <a:fld id="{DB16C1AC-1A6D-4D76-AEDA-B09BAE0E75BE}" type="datetimeFigureOut">
               <a:rPr kumimoji="1" lang="ja-JP" altLang="en-US" smtClean="0"/>
-              <a:t>2024/4/3</a:t>
+              <a:t>2024/4/4</a:t>
             </a:fld>
             <a:endParaRPr kumimoji="1" lang="ja-JP" altLang="en-US"/>
           </a:p>
@@ -3658,7 +3664,7 @@
           <a:p>
             <a:fld id="{DB16C1AC-1A6D-4D76-AEDA-B09BAE0E75BE}" type="datetimeFigureOut">
               <a:rPr kumimoji="1" lang="ja-JP" altLang="en-US" smtClean="0"/>
-              <a:t>2024/4/3</a:t>
+              <a:t>2024/4/4</a:t>
             </a:fld>
             <a:endParaRPr kumimoji="1" lang="ja-JP" altLang="en-US"/>
           </a:p>
@@ -3959,7 +3965,7 @@
           <a:p>
             <a:fld id="{DB16C1AC-1A6D-4D76-AEDA-B09BAE0E75BE}" type="datetimeFigureOut">
               <a:rPr kumimoji="1" lang="ja-JP" altLang="en-US" smtClean="0"/>
-              <a:t>2024/4/3</a:t>
+              <a:t>2024/4/4</a:t>
             </a:fld>
             <a:endParaRPr kumimoji="1" lang="ja-JP" altLang="en-US"/>
           </a:p>
@@ -4396,7 +4402,7 @@
           <a:p>
             <a:fld id="{DB16C1AC-1A6D-4D76-AEDA-B09BAE0E75BE}" type="datetimeFigureOut">
               <a:rPr kumimoji="1" lang="ja-JP" altLang="en-US" smtClean="0"/>
-              <a:t>2024/4/3</a:t>
+              <a:t>2024/4/4</a:t>
             </a:fld>
             <a:endParaRPr kumimoji="1" lang="ja-JP" altLang="en-US"/>
           </a:p>
@@ -4514,7 +4520,7 @@
           <a:p>
             <a:fld id="{DB16C1AC-1A6D-4D76-AEDA-B09BAE0E75BE}" type="datetimeFigureOut">
               <a:rPr kumimoji="1" lang="ja-JP" altLang="en-US" smtClean="0"/>
-              <a:t>2024/4/3</a:t>
+              <a:t>2024/4/4</a:t>
             </a:fld>
             <a:endParaRPr kumimoji="1" lang="ja-JP" altLang="en-US"/>
           </a:p>
@@ -4609,7 +4615,7 @@
           <a:p>
             <a:fld id="{DB16C1AC-1A6D-4D76-AEDA-B09BAE0E75BE}" type="datetimeFigureOut">
               <a:rPr kumimoji="1" lang="ja-JP" altLang="en-US" smtClean="0"/>
-              <a:t>2024/4/3</a:t>
+              <a:t>2024/4/4</a:t>
             </a:fld>
             <a:endParaRPr kumimoji="1" lang="ja-JP" altLang="en-US"/>
           </a:p>
@@ -4892,7 +4898,7 @@
           <a:p>
             <a:fld id="{DB16C1AC-1A6D-4D76-AEDA-B09BAE0E75BE}" type="datetimeFigureOut">
               <a:rPr kumimoji="1" lang="ja-JP" altLang="en-US" smtClean="0"/>
-              <a:t>2024/4/3</a:t>
+              <a:t>2024/4/4</a:t>
             </a:fld>
             <a:endParaRPr kumimoji="1" lang="ja-JP" altLang="en-US"/>
           </a:p>
@@ -5179,7 +5185,7 @@
           <a:p>
             <a:fld id="{DB16C1AC-1A6D-4D76-AEDA-B09BAE0E75BE}" type="datetimeFigureOut">
               <a:rPr kumimoji="1" lang="ja-JP" altLang="en-US" smtClean="0"/>
-              <a:t>2024/4/3</a:t>
+              <a:t>2024/4/4</a:t>
             </a:fld>
             <a:endParaRPr kumimoji="1" lang="ja-JP" altLang="en-US"/>
           </a:p>
@@ -5424,7 +5430,7 @@
           <a:p>
             <a:fld id="{DB16C1AC-1A6D-4D76-AEDA-B09BAE0E75BE}" type="datetimeFigureOut">
               <a:rPr kumimoji="1" lang="ja-JP" altLang="en-US" smtClean="0"/>
-              <a:t>2024/4/3</a:t>
+              <a:t>2024/4/4</a:t>
             </a:fld>
             <a:endParaRPr kumimoji="1" lang="ja-JP" altLang="en-US"/>
           </a:p>
@@ -6065,6 +6071,408 @@
 </p:sld>
 </file>
 
+<file path=ppt/slides/slide2.xml><?xml version="1.0" encoding="utf-8"?>
+<p:sld xmlns:a="http://schemas.openxmlformats.org/drawingml/2006/main" xmlns:r="http://schemas.openxmlformats.org/officeDocument/2006/relationships" xmlns:p="http://schemas.openxmlformats.org/presentationml/2006/main">
+  <p:cSld>
+    <p:spTree>
+      <p:nvGrpSpPr>
+        <p:cNvPr id="1" name=""/>
+        <p:cNvGrpSpPr/>
+        <p:nvPr/>
+      </p:nvGrpSpPr>
+      <p:grpSpPr>
+        <a:xfrm>
+          <a:off x="0" y="0"/>
+          <a:ext cx="0" cy="0"/>
+          <a:chOff x="0" y="0"/>
+          <a:chExt cx="0" cy="0"/>
+        </a:xfrm>
+      </p:grpSpPr>
+      <p:sp>
+        <p:nvSpPr>
+          <p:cNvPr id="2" name="テキスト ボックス 1">
+            <a:extLst>
+              <a:ext uri="{FF2B5EF4-FFF2-40B4-BE49-F238E27FC236}">
+                <a16:creationId xmlns:a16="http://schemas.microsoft.com/office/drawing/2014/main" id="{A3DF5E62-75DE-AECB-87E4-46E96088CC58}"/>
+              </a:ext>
+            </a:extLst>
+          </p:cNvPr>
+          <p:cNvSpPr txBox="1"/>
+          <p:nvPr/>
+        </p:nvSpPr>
+        <p:spPr>
+          <a:xfrm>
+            <a:off x="314632" y="324464"/>
+            <a:ext cx="9324989" cy="1015663"/>
+          </a:xfrm>
+          <a:prstGeom prst="rect">
+            <a:avLst/>
+          </a:prstGeom>
+          <a:noFill/>
+        </p:spPr>
+        <p:txBody>
+          <a:bodyPr wrap="none" rtlCol="0">
+            <a:spAutoFit/>
+          </a:bodyPr>
+          <a:lstStyle/>
+          <a:p>
+            <a:r>
+              <a:rPr kumimoji="1" lang="ja-JP" altLang="en-US" sz="6000" dirty="0">
+                <a:latin typeface="メイリオ" panose="020B0604030504040204" pitchFamily="50" charset="-128"/>
+                <a:ea typeface="メイリオ" panose="020B0604030504040204" pitchFamily="50" charset="-128"/>
+              </a:rPr>
+              <a:t>各スキルの経験年月</a:t>
+            </a:r>
+            <a:r>
+              <a:rPr kumimoji="1" lang="en-US" altLang="ja-JP" sz="6000" dirty="0">
+                <a:latin typeface="メイリオ" panose="020B0604030504040204" pitchFamily="50" charset="-128"/>
+                <a:ea typeface="メイリオ" panose="020B0604030504040204" pitchFamily="50" charset="-128"/>
+              </a:rPr>
+              <a:t>(</a:t>
+            </a:r>
+            <a:r>
+              <a:rPr kumimoji="1" lang="ja-JP" altLang="en-US" sz="6000" dirty="0">
+                <a:latin typeface="メイリオ" panose="020B0604030504040204" pitchFamily="50" charset="-128"/>
+                <a:ea typeface="メイリオ" panose="020B0604030504040204" pitchFamily="50" charset="-128"/>
+              </a:rPr>
+              <a:t>言語</a:t>
+            </a:r>
+            <a:r>
+              <a:rPr kumimoji="1" lang="en-US" altLang="ja-JP" sz="6000" dirty="0">
+                <a:latin typeface="メイリオ" panose="020B0604030504040204" pitchFamily="50" charset="-128"/>
+                <a:ea typeface="メイリオ" panose="020B0604030504040204" pitchFamily="50" charset="-128"/>
+              </a:rPr>
+              <a:t>)</a:t>
+            </a:r>
+            <a:endParaRPr kumimoji="1" lang="ja-JP" altLang="en-US" sz="6000" dirty="0">
+              <a:latin typeface="メイリオ" panose="020B0604030504040204" pitchFamily="50" charset="-128"/>
+              <a:ea typeface="メイリオ" panose="020B0604030504040204" pitchFamily="50" charset="-128"/>
+            </a:endParaRPr>
+          </a:p>
+        </p:txBody>
+      </p:sp>
+      <p:sp>
+        <p:nvSpPr>
+          <p:cNvPr id="3" name="テキスト ボックス 2">
+            <a:extLst>
+              <a:ext uri="{FF2B5EF4-FFF2-40B4-BE49-F238E27FC236}">
+                <a16:creationId xmlns:a16="http://schemas.microsoft.com/office/drawing/2014/main" id="{85575484-16E9-0DA4-B114-B8D7A84F0EB4}"/>
+              </a:ext>
+            </a:extLst>
+          </p:cNvPr>
+          <p:cNvSpPr txBox="1"/>
+          <p:nvPr/>
+        </p:nvSpPr>
+        <p:spPr>
+          <a:xfrm>
+            <a:off x="894736" y="1720645"/>
+            <a:ext cx="2085827" cy="523220"/>
+          </a:xfrm>
+          <a:prstGeom prst="rect">
+            <a:avLst/>
+          </a:prstGeom>
+          <a:noFill/>
+        </p:spPr>
+        <p:txBody>
+          <a:bodyPr wrap="none" rtlCol="0">
+            <a:spAutoFit/>
+          </a:bodyPr>
+          <a:lstStyle/>
+          <a:p>
+            <a:r>
+              <a:rPr kumimoji="1" lang="en-US" altLang="ja-JP" sz="2800" dirty="0">
+                <a:latin typeface="メイリオ" panose="020B0604030504040204" pitchFamily="50" charset="-128"/>
+                <a:ea typeface="メイリオ" panose="020B0604030504040204" pitchFamily="50" charset="-128"/>
+              </a:rPr>
+              <a:t>C</a:t>
+            </a:r>
+            <a:r>
+              <a:rPr kumimoji="1" lang="ja-JP" altLang="en-US" sz="2800" dirty="0">
+                <a:latin typeface="メイリオ" panose="020B0604030504040204" pitchFamily="50" charset="-128"/>
+                <a:ea typeface="メイリオ" panose="020B0604030504040204" pitchFamily="50" charset="-128"/>
+              </a:rPr>
+              <a:t>言語：</a:t>
+            </a:r>
+            <a:r>
+              <a:rPr kumimoji="1" lang="en-US" altLang="ja-JP" sz="2800" dirty="0">
+                <a:latin typeface="メイリオ" panose="020B0604030504040204" pitchFamily="50" charset="-128"/>
+                <a:ea typeface="メイリオ" panose="020B0604030504040204" pitchFamily="50" charset="-128"/>
+              </a:rPr>
+              <a:t>2</a:t>
+            </a:r>
+            <a:r>
+              <a:rPr kumimoji="1" lang="ja-JP" altLang="en-US" sz="2800" dirty="0">
+                <a:latin typeface="メイリオ" panose="020B0604030504040204" pitchFamily="50" charset="-128"/>
+                <a:ea typeface="メイリオ" panose="020B0604030504040204" pitchFamily="50" charset="-128"/>
+              </a:rPr>
+              <a:t>年</a:t>
+            </a:r>
+          </a:p>
+        </p:txBody>
+      </p:sp>
+      <p:sp>
+        <p:nvSpPr>
+          <p:cNvPr id="6" name="テキスト ボックス 5">
+            <a:extLst>
+              <a:ext uri="{FF2B5EF4-FFF2-40B4-BE49-F238E27FC236}">
+                <a16:creationId xmlns:a16="http://schemas.microsoft.com/office/drawing/2014/main" id="{FB96A676-3512-AE44-A3AD-FBB0A4B70B41}"/>
+              </a:ext>
+            </a:extLst>
+          </p:cNvPr>
+          <p:cNvSpPr txBox="1"/>
+          <p:nvPr/>
+        </p:nvSpPr>
+        <p:spPr>
+          <a:xfrm>
+            <a:off x="894735" y="2362773"/>
+            <a:ext cx="1944763" cy="523220"/>
+          </a:xfrm>
+          <a:prstGeom prst="rect">
+            <a:avLst/>
+          </a:prstGeom>
+          <a:noFill/>
+        </p:spPr>
+        <p:txBody>
+          <a:bodyPr wrap="none" rtlCol="0">
+            <a:spAutoFit/>
+          </a:bodyPr>
+          <a:lstStyle/>
+          <a:p>
+            <a:r>
+              <a:rPr kumimoji="1" lang="en-US" altLang="ja-JP" sz="2800" dirty="0">
+                <a:latin typeface="メイリオ" panose="020B0604030504040204" pitchFamily="50" charset="-128"/>
+                <a:ea typeface="メイリオ" panose="020B0604030504040204" pitchFamily="50" charset="-128"/>
+              </a:rPr>
+              <a:t>C++</a:t>
+            </a:r>
+            <a:r>
+              <a:rPr kumimoji="1" lang="ja-JP" altLang="en-US" sz="2800" dirty="0">
+                <a:latin typeface="メイリオ" panose="020B0604030504040204" pitchFamily="50" charset="-128"/>
+                <a:ea typeface="メイリオ" panose="020B0604030504040204" pitchFamily="50" charset="-128"/>
+              </a:rPr>
+              <a:t>：</a:t>
+            </a:r>
+            <a:r>
+              <a:rPr kumimoji="1" lang="en-US" altLang="ja-JP" sz="2800" dirty="0">
+                <a:latin typeface="メイリオ" panose="020B0604030504040204" pitchFamily="50" charset="-128"/>
+                <a:ea typeface="メイリオ" panose="020B0604030504040204" pitchFamily="50" charset="-128"/>
+              </a:rPr>
+              <a:t>2</a:t>
+            </a:r>
+            <a:r>
+              <a:rPr kumimoji="1" lang="ja-JP" altLang="en-US" sz="2800" dirty="0">
+                <a:latin typeface="メイリオ" panose="020B0604030504040204" pitchFamily="50" charset="-128"/>
+                <a:ea typeface="メイリオ" panose="020B0604030504040204" pitchFamily="50" charset="-128"/>
+              </a:rPr>
+              <a:t>年</a:t>
+            </a:r>
+          </a:p>
+        </p:txBody>
+      </p:sp>
+      <p:sp>
+        <p:nvSpPr>
+          <p:cNvPr id="7" name="テキスト ボックス 6">
+            <a:extLst>
+              <a:ext uri="{FF2B5EF4-FFF2-40B4-BE49-F238E27FC236}">
+                <a16:creationId xmlns:a16="http://schemas.microsoft.com/office/drawing/2014/main" id="{809D0BAA-F62B-A7A1-A291-D79A3E3CD03F}"/>
+              </a:ext>
+            </a:extLst>
+          </p:cNvPr>
+          <p:cNvSpPr txBox="1"/>
+          <p:nvPr/>
+        </p:nvSpPr>
+        <p:spPr>
+          <a:xfrm>
+            <a:off x="893721" y="3625796"/>
+            <a:ext cx="2667718" cy="523220"/>
+          </a:xfrm>
+          <a:prstGeom prst="rect">
+            <a:avLst/>
+          </a:prstGeom>
+          <a:noFill/>
+        </p:spPr>
+        <p:txBody>
+          <a:bodyPr wrap="none" rtlCol="0">
+            <a:spAutoFit/>
+          </a:bodyPr>
+          <a:lstStyle/>
+          <a:p>
+            <a:r>
+              <a:rPr kumimoji="1" lang="en-US" altLang="ja-JP" sz="2800" dirty="0">
+                <a:latin typeface="メイリオ" panose="020B0604030504040204" pitchFamily="50" charset="-128"/>
+                <a:ea typeface="メイリオ" panose="020B0604030504040204" pitchFamily="50" charset="-128"/>
+              </a:rPr>
+              <a:t>C</a:t>
+            </a:r>
+            <a:r>
+              <a:rPr kumimoji="1" lang="ja-JP" altLang="en-US" sz="2800" dirty="0">
+                <a:latin typeface="メイリオ" panose="020B0604030504040204" pitchFamily="50" charset="-128"/>
+                <a:ea typeface="メイリオ" panose="020B0604030504040204" pitchFamily="50" charset="-128"/>
+              </a:rPr>
+              <a:t>＃：</a:t>
+            </a:r>
+            <a:r>
+              <a:rPr kumimoji="1" lang="en-US" altLang="ja-JP" sz="2800" dirty="0">
+                <a:latin typeface="メイリオ" panose="020B0604030504040204" pitchFamily="50" charset="-128"/>
+                <a:ea typeface="メイリオ" panose="020B0604030504040204" pitchFamily="50" charset="-128"/>
+              </a:rPr>
+              <a:t>1</a:t>
+            </a:r>
+            <a:r>
+              <a:rPr kumimoji="1" lang="ja-JP" altLang="en-US" sz="2800" dirty="0">
+                <a:latin typeface="メイリオ" panose="020B0604030504040204" pitchFamily="50" charset="-128"/>
+                <a:ea typeface="メイリオ" panose="020B0604030504040204" pitchFamily="50" charset="-128"/>
+              </a:rPr>
+              <a:t>年</a:t>
+            </a:r>
+            <a:r>
+              <a:rPr kumimoji="1" lang="en-US" altLang="ja-JP" sz="2800" dirty="0">
+                <a:latin typeface="メイリオ" panose="020B0604030504040204" pitchFamily="50" charset="-128"/>
+                <a:ea typeface="メイリオ" panose="020B0604030504040204" pitchFamily="50" charset="-128"/>
+              </a:rPr>
+              <a:t>6</a:t>
+            </a:r>
+            <a:r>
+              <a:rPr kumimoji="1" lang="ja-JP" altLang="en-US" sz="2800" dirty="0">
+                <a:latin typeface="メイリオ" panose="020B0604030504040204" pitchFamily="50" charset="-128"/>
+                <a:ea typeface="メイリオ" panose="020B0604030504040204" pitchFamily="50" charset="-128"/>
+              </a:rPr>
+              <a:t>カ月</a:t>
+            </a:r>
+          </a:p>
+        </p:txBody>
+      </p:sp>
+      <p:sp>
+        <p:nvSpPr>
+          <p:cNvPr id="8" name="テキスト ボックス 7">
+            <a:extLst>
+              <a:ext uri="{FF2B5EF4-FFF2-40B4-BE49-F238E27FC236}">
+                <a16:creationId xmlns:a16="http://schemas.microsoft.com/office/drawing/2014/main" id="{01C2C17B-D3B5-A4EB-0A21-D6242CE62115}"/>
+              </a:ext>
+            </a:extLst>
+          </p:cNvPr>
+          <p:cNvSpPr txBox="1"/>
+          <p:nvPr/>
+        </p:nvSpPr>
+        <p:spPr>
+          <a:xfrm>
+            <a:off x="893721" y="4529534"/>
+            <a:ext cx="2177199" cy="523220"/>
+          </a:xfrm>
+          <a:prstGeom prst="rect">
+            <a:avLst/>
+          </a:prstGeom>
+          <a:noFill/>
+        </p:spPr>
+        <p:txBody>
+          <a:bodyPr wrap="none" rtlCol="0">
+            <a:spAutoFit/>
+          </a:bodyPr>
+          <a:lstStyle/>
+          <a:p>
+            <a:r>
+              <a:rPr kumimoji="1" lang="en-US" altLang="ja-JP" sz="2800" dirty="0">
+                <a:latin typeface="メイリオ" panose="020B0604030504040204" pitchFamily="50" charset="-128"/>
+                <a:ea typeface="メイリオ" panose="020B0604030504040204" pitchFamily="50" charset="-128"/>
+              </a:rPr>
+              <a:t>PHP</a:t>
+            </a:r>
+            <a:r>
+              <a:rPr kumimoji="1" lang="ja-JP" altLang="en-US" sz="2800" dirty="0">
+                <a:latin typeface="メイリオ" panose="020B0604030504040204" pitchFamily="50" charset="-128"/>
+                <a:ea typeface="メイリオ" panose="020B0604030504040204" pitchFamily="50" charset="-128"/>
+              </a:rPr>
+              <a:t>：</a:t>
+            </a:r>
+            <a:r>
+              <a:rPr kumimoji="1" lang="en-US" altLang="ja-JP" sz="2800" dirty="0">
+                <a:latin typeface="メイリオ" panose="020B0604030504040204" pitchFamily="50" charset="-128"/>
+                <a:ea typeface="メイリオ" panose="020B0604030504040204" pitchFamily="50" charset="-128"/>
+              </a:rPr>
+              <a:t>2</a:t>
+            </a:r>
+            <a:r>
+              <a:rPr kumimoji="1" lang="ja-JP" altLang="en-US" sz="2800" dirty="0">
+                <a:latin typeface="メイリオ" panose="020B0604030504040204" pitchFamily="50" charset="-128"/>
+                <a:ea typeface="メイリオ" panose="020B0604030504040204" pitchFamily="50" charset="-128"/>
+              </a:rPr>
+              <a:t>カ月</a:t>
+            </a:r>
+          </a:p>
+        </p:txBody>
+      </p:sp>
+      <p:sp>
+        <p:nvSpPr>
+          <p:cNvPr id="9" name="テキスト ボックス 8">
+            <a:extLst>
+              <a:ext uri="{FF2B5EF4-FFF2-40B4-BE49-F238E27FC236}">
+                <a16:creationId xmlns:a16="http://schemas.microsoft.com/office/drawing/2014/main" id="{BD87D351-B887-E66D-032D-ACEA880FC2F5}"/>
+              </a:ext>
+            </a:extLst>
+          </p:cNvPr>
+          <p:cNvSpPr txBox="1"/>
+          <p:nvPr/>
+        </p:nvSpPr>
+        <p:spPr>
+          <a:xfrm>
+            <a:off x="893721" y="5311803"/>
+            <a:ext cx="2186817" cy="523220"/>
+          </a:xfrm>
+          <a:prstGeom prst="rect">
+            <a:avLst/>
+          </a:prstGeom>
+          <a:noFill/>
+        </p:spPr>
+        <p:txBody>
+          <a:bodyPr wrap="none" rtlCol="0">
+            <a:spAutoFit/>
+          </a:bodyPr>
+          <a:lstStyle/>
+          <a:p>
+            <a:r>
+              <a:rPr kumimoji="1" lang="en-US" altLang="ja-JP" sz="2800" dirty="0">
+                <a:latin typeface="メイリオ" panose="020B0604030504040204" pitchFamily="50" charset="-128"/>
+                <a:ea typeface="メイリオ" panose="020B0604030504040204" pitchFamily="50" charset="-128"/>
+              </a:rPr>
+              <a:t>SQL</a:t>
+            </a:r>
+            <a:r>
+              <a:rPr kumimoji="1" lang="ja-JP" altLang="en-US" sz="2800" dirty="0">
+                <a:latin typeface="メイリオ" panose="020B0604030504040204" pitchFamily="50" charset="-128"/>
+                <a:ea typeface="メイリオ" panose="020B0604030504040204" pitchFamily="50" charset="-128"/>
+              </a:rPr>
+              <a:t>：</a:t>
+            </a:r>
+            <a:r>
+              <a:rPr kumimoji="1" lang="en-US" altLang="ja-JP" sz="2800" dirty="0">
+                <a:latin typeface="メイリオ" panose="020B0604030504040204" pitchFamily="50" charset="-128"/>
+                <a:ea typeface="メイリオ" panose="020B0604030504040204" pitchFamily="50" charset="-128"/>
+              </a:rPr>
+              <a:t>2</a:t>
+            </a:r>
+            <a:r>
+              <a:rPr kumimoji="1" lang="ja-JP" altLang="en-US" sz="2800" dirty="0">
+                <a:latin typeface="メイリオ" panose="020B0604030504040204" pitchFamily="50" charset="-128"/>
+                <a:ea typeface="メイリオ" panose="020B0604030504040204" pitchFamily="50" charset="-128"/>
+              </a:rPr>
+              <a:t>カ月</a:t>
+            </a:r>
+          </a:p>
+        </p:txBody>
+      </p:sp>
+    </p:spTree>
+    <p:extLst>
+      <p:ext uri="{BB962C8B-B14F-4D97-AF65-F5344CB8AC3E}">
+        <p14:creationId xmlns:p14="http://schemas.microsoft.com/office/powerpoint/2010/main" val="3396036694"/>
+      </p:ext>
+    </p:extLst>
+  </p:cSld>
+  <p:clrMapOvr>
+    <a:masterClrMapping/>
+  </p:clrMapOvr>
+</p:sld>
+</file>
+
 <file path=ppt/theme/theme1.xml><?xml version="1.0" encoding="utf-8"?>
 <a:theme xmlns:a="http://schemas.openxmlformats.org/drawingml/2006/main" name="Damask">
   <a:themeElements>

--- a/スキルシート.pptx
+++ b/スキルシート.pptx
@@ -7,6 +7,7 @@
   <p:sldIdLst>
     <p:sldId id="256" r:id="rId2"/>
     <p:sldId id="257" r:id="rId3"/>
+    <p:sldId id="258" r:id="rId4"/>
   </p:sldIdLst>
   <p:sldSz cx="12192000" cy="6858000"/>
   <p:notesSz cx="6858000" cy="9144000"/>
@@ -246,7 +247,7 @@
           <a:p>
             <a:fld id="{DB16C1AC-1A6D-4D76-AEDA-B09BAE0E75BE}" type="datetimeFigureOut">
               <a:rPr kumimoji="1" lang="ja-JP" altLang="en-US" smtClean="0"/>
-              <a:t>2024/4/4</a:t>
+              <a:t>2024/4/11</a:t>
             </a:fld>
             <a:endParaRPr kumimoji="1" lang="ja-JP" altLang="en-US"/>
           </a:p>
@@ -533,7 +534,7 @@
           <a:p>
             <a:fld id="{DB16C1AC-1A6D-4D76-AEDA-B09BAE0E75BE}" type="datetimeFigureOut">
               <a:rPr kumimoji="1" lang="ja-JP" altLang="en-US" smtClean="0"/>
-              <a:t>2024/4/4</a:t>
+              <a:t>2024/4/11</a:t>
             </a:fld>
             <a:endParaRPr kumimoji="1" lang="ja-JP" altLang="en-US"/>
           </a:p>
@@ -725,7 +726,7 @@
           <a:p>
             <a:fld id="{DB16C1AC-1A6D-4D76-AEDA-B09BAE0E75BE}" type="datetimeFigureOut">
               <a:rPr kumimoji="1" lang="ja-JP" altLang="en-US" smtClean="0"/>
-              <a:t>2024/4/4</a:t>
+              <a:t>2024/4/11</a:t>
             </a:fld>
             <a:endParaRPr kumimoji="1" lang="ja-JP" altLang="en-US"/>
           </a:p>
@@ -986,7 +987,7 @@
           <a:p>
             <a:fld id="{DB16C1AC-1A6D-4D76-AEDA-B09BAE0E75BE}" type="datetimeFigureOut">
               <a:rPr kumimoji="1" lang="ja-JP" altLang="en-US" smtClean="0"/>
-              <a:t>2024/4/4</a:t>
+              <a:t>2024/4/11</a:t>
             </a:fld>
             <a:endParaRPr kumimoji="1" lang="ja-JP" altLang="en-US"/>
           </a:p>
@@ -1410,7 +1411,7 @@
           <a:p>
             <a:fld id="{DB16C1AC-1A6D-4D76-AEDA-B09BAE0E75BE}" type="datetimeFigureOut">
               <a:rPr kumimoji="1" lang="ja-JP" altLang="en-US" smtClean="0"/>
-              <a:t>2024/4/4</a:t>
+              <a:t>2024/4/11</a:t>
             </a:fld>
             <a:endParaRPr kumimoji="1" lang="ja-JP" altLang="en-US"/>
           </a:p>
@@ -1956,7 +1957,7 @@
           <a:p>
             <a:fld id="{DB16C1AC-1A6D-4D76-AEDA-B09BAE0E75BE}" type="datetimeFigureOut">
               <a:rPr kumimoji="1" lang="ja-JP" altLang="en-US" smtClean="0"/>
-              <a:t>2024/4/4</a:t>
+              <a:t>2024/4/11</a:t>
             </a:fld>
             <a:endParaRPr kumimoji="1" lang="ja-JP" altLang="en-US"/>
           </a:p>
@@ -2796,7 +2797,7 @@
           <a:p>
             <a:fld id="{DB16C1AC-1A6D-4D76-AEDA-B09BAE0E75BE}" type="datetimeFigureOut">
               <a:rPr kumimoji="1" lang="ja-JP" altLang="en-US" smtClean="0"/>
-              <a:t>2024/4/4</a:t>
+              <a:t>2024/4/11</a:t>
             </a:fld>
             <a:endParaRPr kumimoji="1" lang="ja-JP" altLang="en-US"/>
           </a:p>
@@ -2998,7 +2999,7 @@
           <a:p>
             <a:fld id="{DB16C1AC-1A6D-4D76-AEDA-B09BAE0E75BE}" type="datetimeFigureOut">
               <a:rPr kumimoji="1" lang="ja-JP" altLang="en-US" smtClean="0"/>
-              <a:t>2024/4/4</a:t>
+              <a:t>2024/4/11</a:t>
             </a:fld>
             <a:endParaRPr kumimoji="1" lang="ja-JP" altLang="en-US"/>
           </a:p>
@@ -3214,7 +3215,7 @@
           <a:p>
             <a:fld id="{DB16C1AC-1A6D-4D76-AEDA-B09BAE0E75BE}" type="datetimeFigureOut">
               <a:rPr kumimoji="1" lang="ja-JP" altLang="en-US" smtClean="0"/>
-              <a:t>2024/4/4</a:t>
+              <a:t>2024/4/11</a:t>
             </a:fld>
             <a:endParaRPr kumimoji="1" lang="ja-JP" altLang="en-US"/>
           </a:p>
@@ -3416,7 +3417,7 @@
           <a:p>
             <a:fld id="{DB16C1AC-1A6D-4D76-AEDA-B09BAE0E75BE}" type="datetimeFigureOut">
               <a:rPr kumimoji="1" lang="ja-JP" altLang="en-US" smtClean="0"/>
-              <a:t>2024/4/4</a:t>
+              <a:t>2024/4/11</a:t>
             </a:fld>
             <a:endParaRPr kumimoji="1" lang="ja-JP" altLang="en-US"/>
           </a:p>
@@ -3664,7 +3665,7 @@
           <a:p>
             <a:fld id="{DB16C1AC-1A6D-4D76-AEDA-B09BAE0E75BE}" type="datetimeFigureOut">
               <a:rPr kumimoji="1" lang="ja-JP" altLang="en-US" smtClean="0"/>
-              <a:t>2024/4/4</a:t>
+              <a:t>2024/4/11</a:t>
             </a:fld>
             <a:endParaRPr kumimoji="1" lang="ja-JP" altLang="en-US"/>
           </a:p>
@@ -3965,7 +3966,7 @@
           <a:p>
             <a:fld id="{DB16C1AC-1A6D-4D76-AEDA-B09BAE0E75BE}" type="datetimeFigureOut">
               <a:rPr kumimoji="1" lang="ja-JP" altLang="en-US" smtClean="0"/>
-              <a:t>2024/4/4</a:t>
+              <a:t>2024/4/11</a:t>
             </a:fld>
             <a:endParaRPr kumimoji="1" lang="ja-JP" altLang="en-US"/>
           </a:p>
@@ -4402,7 +4403,7 @@
           <a:p>
             <a:fld id="{DB16C1AC-1A6D-4D76-AEDA-B09BAE0E75BE}" type="datetimeFigureOut">
               <a:rPr kumimoji="1" lang="ja-JP" altLang="en-US" smtClean="0"/>
-              <a:t>2024/4/4</a:t>
+              <a:t>2024/4/11</a:t>
             </a:fld>
             <a:endParaRPr kumimoji="1" lang="ja-JP" altLang="en-US"/>
           </a:p>
@@ -4520,7 +4521,7 @@
           <a:p>
             <a:fld id="{DB16C1AC-1A6D-4D76-AEDA-B09BAE0E75BE}" type="datetimeFigureOut">
               <a:rPr kumimoji="1" lang="ja-JP" altLang="en-US" smtClean="0"/>
-              <a:t>2024/4/4</a:t>
+              <a:t>2024/4/11</a:t>
             </a:fld>
             <a:endParaRPr kumimoji="1" lang="ja-JP" altLang="en-US"/>
           </a:p>
@@ -4615,7 +4616,7 @@
           <a:p>
             <a:fld id="{DB16C1AC-1A6D-4D76-AEDA-B09BAE0E75BE}" type="datetimeFigureOut">
               <a:rPr kumimoji="1" lang="ja-JP" altLang="en-US" smtClean="0"/>
-              <a:t>2024/4/4</a:t>
+              <a:t>2024/4/11</a:t>
             </a:fld>
             <a:endParaRPr kumimoji="1" lang="ja-JP" altLang="en-US"/>
           </a:p>
@@ -4898,7 +4899,7 @@
           <a:p>
             <a:fld id="{DB16C1AC-1A6D-4D76-AEDA-B09BAE0E75BE}" type="datetimeFigureOut">
               <a:rPr kumimoji="1" lang="ja-JP" altLang="en-US" smtClean="0"/>
-              <a:t>2024/4/4</a:t>
+              <a:t>2024/4/11</a:t>
             </a:fld>
             <a:endParaRPr kumimoji="1" lang="ja-JP" altLang="en-US"/>
           </a:p>
@@ -5185,7 +5186,7 @@
           <a:p>
             <a:fld id="{DB16C1AC-1A6D-4D76-AEDA-B09BAE0E75BE}" type="datetimeFigureOut">
               <a:rPr kumimoji="1" lang="ja-JP" altLang="en-US" smtClean="0"/>
-              <a:t>2024/4/4</a:t>
+              <a:t>2024/4/11</a:t>
             </a:fld>
             <a:endParaRPr kumimoji="1" lang="ja-JP" altLang="en-US"/>
           </a:p>
@@ -5430,7 +5431,7 @@
           <a:p>
             <a:fld id="{DB16C1AC-1A6D-4D76-AEDA-B09BAE0E75BE}" type="datetimeFigureOut">
               <a:rPr kumimoji="1" lang="ja-JP" altLang="en-US" smtClean="0"/>
-              <a:t>2024/4/4</a:t>
+              <a:t>2024/4/11</a:t>
             </a:fld>
             <a:endParaRPr kumimoji="1" lang="ja-JP" altLang="en-US"/>
           </a:p>
@@ -6165,8 +6166,8 @@
         </p:nvSpPr>
         <p:spPr>
           <a:xfrm>
-            <a:off x="894736" y="1720645"/>
-            <a:ext cx="2085827" cy="523220"/>
+            <a:off x="893721" y="1337566"/>
+            <a:ext cx="11264622" cy="892552"/>
           </a:xfrm>
           <a:prstGeom prst="rect">
             <a:avLst/>
@@ -6206,6 +6207,19 @@
                 <a:ea typeface="メイリオ" panose="020B0604030504040204" pitchFamily="50" charset="-128"/>
               </a:rPr>
               <a:t>年</a:t>
+            </a:r>
+            <a:endParaRPr kumimoji="1" lang="en-US" altLang="ja-JP" sz="2800" dirty="0">
+              <a:latin typeface="メイリオ" panose="020B0604030504040204" pitchFamily="50" charset="-128"/>
+              <a:ea typeface="メイリオ" panose="020B0604030504040204" pitchFamily="50" charset="-128"/>
+            </a:endParaRPr>
+          </a:p>
+          <a:p>
+            <a:r>
+              <a:rPr kumimoji="1" lang="ja-JP" altLang="en-US" sz="2400" dirty="0">
+                <a:latin typeface="メイリオ" panose="020B0604030504040204" pitchFamily="50" charset="-128"/>
+                <a:ea typeface="メイリオ" panose="020B0604030504040204" pitchFamily="50" charset="-128"/>
+              </a:rPr>
+              <a:t>配列やポインタ等を駆使してコンソールゲームなどを制作しながら学びました。</a:t>
             </a:r>
           </a:p>
         </p:txBody>
@@ -6224,8 +6238,8 @@
         </p:nvSpPr>
         <p:spPr>
           <a:xfrm>
-            <a:off x="894735" y="2362773"/>
-            <a:ext cx="1944763" cy="523220"/>
+            <a:off x="893721" y="2160603"/>
+            <a:ext cx="10033516" cy="1261884"/>
           </a:xfrm>
           <a:prstGeom prst="rect">
             <a:avLst/>
@@ -6265,6 +6279,53 @@
                 <a:ea typeface="メイリオ" panose="020B0604030504040204" pitchFamily="50" charset="-128"/>
               </a:rPr>
               <a:t>年</a:t>
+            </a:r>
+            <a:endParaRPr kumimoji="1" lang="en-US" altLang="ja-JP" sz="2800" dirty="0">
+              <a:latin typeface="メイリオ" panose="020B0604030504040204" pitchFamily="50" charset="-128"/>
+              <a:ea typeface="メイリオ" panose="020B0604030504040204" pitchFamily="50" charset="-128"/>
+            </a:endParaRPr>
+          </a:p>
+          <a:p>
+            <a:r>
+              <a:rPr kumimoji="1" lang="ja-JP" altLang="en-US" sz="2400" dirty="0">
+                <a:latin typeface="メイリオ" panose="020B0604030504040204" pitchFamily="50" charset="-128"/>
+                <a:ea typeface="メイリオ" panose="020B0604030504040204" pitchFamily="50" charset="-128"/>
+              </a:rPr>
+              <a:t>ポインタやメモリ管理オブジェクト指向について学びました。そして、</a:t>
+            </a:r>
+            <a:endParaRPr kumimoji="1" lang="en-US" altLang="ja-JP" sz="2400" dirty="0">
+              <a:latin typeface="メイリオ" panose="020B0604030504040204" pitchFamily="50" charset="-128"/>
+              <a:ea typeface="メイリオ" panose="020B0604030504040204" pitchFamily="50" charset="-128"/>
+            </a:endParaRPr>
+          </a:p>
+          <a:p>
+            <a:r>
+              <a:rPr kumimoji="1" lang="en-US" altLang="ja-JP" sz="2400" dirty="0">
+                <a:latin typeface="メイリオ" panose="020B0604030504040204" pitchFamily="50" charset="-128"/>
+                <a:ea typeface="メイリオ" panose="020B0604030504040204" pitchFamily="50" charset="-128"/>
+              </a:rPr>
+              <a:t>DX</a:t>
+            </a:r>
+            <a:r>
+              <a:rPr kumimoji="1" lang="ja-JP" altLang="en-US" sz="2400" dirty="0">
+                <a:latin typeface="メイリオ" panose="020B0604030504040204" pitchFamily="50" charset="-128"/>
+                <a:ea typeface="メイリオ" panose="020B0604030504040204" pitchFamily="50" charset="-128"/>
+              </a:rPr>
+              <a:t>ライブラリを使用したゲーム制作を行い、</a:t>
+            </a:r>
+            <a:r>
+              <a:rPr kumimoji="1" lang="en-US" altLang="ja-JP" sz="2400" dirty="0">
+                <a:latin typeface="メイリオ" panose="020B0604030504040204" pitchFamily="50" charset="-128"/>
+                <a:ea typeface="メイリオ" panose="020B0604030504040204" pitchFamily="50" charset="-128"/>
+              </a:rPr>
+              <a:t>4</a:t>
+            </a:r>
+            <a:r>
+              <a:rPr kumimoji="1" lang="ja-JP" altLang="en-US" sz="2400" dirty="0">
+                <a:latin typeface="メイリオ" panose="020B0604030504040204" pitchFamily="50" charset="-128"/>
+                <a:ea typeface="メイリオ" panose="020B0604030504040204" pitchFamily="50" charset="-128"/>
+              </a:rPr>
+              <a:t>作品制作しました。</a:t>
             </a:r>
           </a:p>
         </p:txBody>
@@ -6283,8 +6344,8 @@
         </p:nvSpPr>
         <p:spPr>
           <a:xfrm>
-            <a:off x="893721" y="3625796"/>
-            <a:ext cx="2667718" cy="523220"/>
+            <a:off x="893721" y="3394617"/>
+            <a:ext cx="10509993" cy="1261884"/>
           </a:xfrm>
           <a:prstGeom prst="rect">
             <a:avLst/>
@@ -6338,6 +6399,60 @@
                 <a:ea typeface="メイリオ" panose="020B0604030504040204" pitchFamily="50" charset="-128"/>
               </a:rPr>
               <a:t>カ月</a:t>
+            </a:r>
+            <a:endParaRPr kumimoji="1" lang="en-US" altLang="ja-JP" sz="2800" dirty="0">
+              <a:latin typeface="メイリオ" panose="020B0604030504040204" pitchFamily="50" charset="-128"/>
+              <a:ea typeface="メイリオ" panose="020B0604030504040204" pitchFamily="50" charset="-128"/>
+            </a:endParaRPr>
+          </a:p>
+          <a:p>
+            <a:r>
+              <a:rPr kumimoji="1" lang="ja-JP" altLang="en-US" sz="2400" dirty="0">
+                <a:latin typeface="メイリオ" panose="020B0604030504040204" pitchFamily="50" charset="-128"/>
+                <a:ea typeface="メイリオ" panose="020B0604030504040204" pitchFamily="50" charset="-128"/>
+              </a:rPr>
+              <a:t>インターフェースや非同期処理などの基礎的な知識を学び、</a:t>
+            </a:r>
+            <a:r>
+              <a:rPr kumimoji="1" lang="en-US" altLang="ja-JP" sz="2400" dirty="0">
+                <a:latin typeface="メイリオ" panose="020B0604030504040204" pitchFamily="50" charset="-128"/>
+                <a:ea typeface="メイリオ" panose="020B0604030504040204" pitchFamily="50" charset="-128"/>
+              </a:rPr>
+              <a:t>Unity</a:t>
+            </a:r>
+            <a:r>
+              <a:rPr kumimoji="1" lang="ja-JP" altLang="en-US" sz="2400" dirty="0">
+                <a:latin typeface="メイリオ" panose="020B0604030504040204" pitchFamily="50" charset="-128"/>
+                <a:ea typeface="メイリオ" panose="020B0604030504040204" pitchFamily="50" charset="-128"/>
+              </a:rPr>
+              <a:t>を用いた</a:t>
+            </a:r>
+            <a:endParaRPr kumimoji="1" lang="en-US" altLang="ja-JP" sz="2400" dirty="0">
+              <a:latin typeface="メイリオ" panose="020B0604030504040204" pitchFamily="50" charset="-128"/>
+              <a:ea typeface="メイリオ" panose="020B0604030504040204" pitchFamily="50" charset="-128"/>
+            </a:endParaRPr>
+          </a:p>
+          <a:p>
+            <a:r>
+              <a:rPr kumimoji="1" lang="ja-JP" altLang="en-US" sz="2400" dirty="0">
+                <a:latin typeface="メイリオ" panose="020B0604030504040204" pitchFamily="50" charset="-128"/>
+                <a:ea typeface="メイリオ" panose="020B0604030504040204" pitchFamily="50" charset="-128"/>
+              </a:rPr>
+              <a:t>ゲーム制作を行い、</a:t>
+            </a:r>
+            <a:r>
+              <a:rPr kumimoji="1" lang="en-US" altLang="ja-JP" sz="2400" dirty="0">
+                <a:latin typeface="メイリオ" panose="020B0604030504040204" pitchFamily="50" charset="-128"/>
+                <a:ea typeface="メイリオ" panose="020B0604030504040204" pitchFamily="50" charset="-128"/>
+              </a:rPr>
+              <a:t>4</a:t>
+            </a:r>
+            <a:r>
+              <a:rPr kumimoji="1" lang="ja-JP" altLang="en-US" sz="2400" dirty="0">
+                <a:latin typeface="メイリオ" panose="020B0604030504040204" pitchFamily="50" charset="-128"/>
+                <a:ea typeface="メイリオ" panose="020B0604030504040204" pitchFamily="50" charset="-128"/>
+              </a:rPr>
+              <a:t>作品制作しました。</a:t>
             </a:r>
           </a:p>
         </p:txBody>
@@ -6356,8 +6471,8 @@
         </p:nvSpPr>
         <p:spPr>
           <a:xfrm>
-            <a:off x="893721" y="4529534"/>
-            <a:ext cx="2177199" cy="523220"/>
+            <a:off x="893720" y="4613448"/>
+            <a:ext cx="3877985" cy="892552"/>
           </a:xfrm>
           <a:prstGeom prst="rect">
             <a:avLst/>
@@ -6375,7 +6490,7 @@
                 <a:latin typeface="メイリオ" panose="020B0604030504040204" pitchFamily="50" charset="-128"/>
                 <a:ea typeface="メイリオ" panose="020B0604030504040204" pitchFamily="50" charset="-128"/>
               </a:rPr>
-              <a:t>PHP</a:t>
+              <a:t>HTML</a:t>
             </a:r>
             <a:r>
               <a:rPr kumimoji="1" lang="ja-JP" altLang="en-US" sz="2800" dirty="0">
@@ -6397,6 +6512,19 @@
                 <a:ea typeface="メイリオ" panose="020B0604030504040204" pitchFamily="50" charset="-128"/>
               </a:rPr>
               <a:t>カ月</a:t>
+            </a:r>
+            <a:endParaRPr kumimoji="1" lang="en-US" altLang="ja-JP" sz="2800" dirty="0">
+              <a:latin typeface="メイリオ" panose="020B0604030504040204" pitchFamily="50" charset="-128"/>
+              <a:ea typeface="メイリオ" panose="020B0604030504040204" pitchFamily="50" charset="-128"/>
+            </a:endParaRPr>
+          </a:p>
+          <a:p>
+            <a:r>
+              <a:rPr kumimoji="1" lang="ja-JP" altLang="en-US" sz="2400" dirty="0">
+                <a:latin typeface="メイリオ" panose="020B0604030504040204" pitchFamily="50" charset="-128"/>
+                <a:ea typeface="メイリオ" panose="020B0604030504040204" pitchFamily="50" charset="-128"/>
+              </a:rPr>
+              <a:t>授業で学習した程度です。</a:t>
             </a:r>
           </a:p>
         </p:txBody>
@@ -6415,8 +6543,8 @@
         </p:nvSpPr>
         <p:spPr>
           <a:xfrm>
-            <a:off x="893721" y="5311803"/>
-            <a:ext cx="2186817" cy="523220"/>
+            <a:off x="893720" y="5462946"/>
+            <a:ext cx="3877985" cy="892552"/>
           </a:xfrm>
           <a:prstGeom prst="rect">
             <a:avLst/>
@@ -6434,7 +6562,7 @@
                 <a:latin typeface="メイリオ" panose="020B0604030504040204" pitchFamily="50" charset="-128"/>
                 <a:ea typeface="メイリオ" panose="020B0604030504040204" pitchFamily="50" charset="-128"/>
               </a:rPr>
-              <a:t>SQL</a:t>
+              <a:t>PHP</a:t>
             </a:r>
             <a:r>
               <a:rPr kumimoji="1" lang="ja-JP" altLang="en-US" sz="2800" dirty="0">
@@ -6456,6 +6584,19 @@
                 <a:ea typeface="メイリオ" panose="020B0604030504040204" pitchFamily="50" charset="-128"/>
               </a:rPr>
               <a:t>カ月</a:t>
+            </a:r>
+            <a:endParaRPr kumimoji="1" lang="en-US" altLang="ja-JP" sz="2800" dirty="0">
+              <a:latin typeface="メイリオ" panose="020B0604030504040204" pitchFamily="50" charset="-128"/>
+              <a:ea typeface="メイリオ" panose="020B0604030504040204" pitchFamily="50" charset="-128"/>
+            </a:endParaRPr>
+          </a:p>
+          <a:p>
+            <a:r>
+              <a:rPr kumimoji="1" lang="ja-JP" altLang="en-US" sz="2400" dirty="0">
+                <a:latin typeface="メイリオ" panose="020B0604030504040204" pitchFamily="50" charset="-128"/>
+                <a:ea typeface="メイリオ" panose="020B0604030504040204" pitchFamily="50" charset="-128"/>
+              </a:rPr>
+              <a:t>授業で学習した程度です。</a:t>
             </a:r>
           </a:p>
         </p:txBody>
@@ -6464,6 +6605,482 @@
     <p:extLst>
       <p:ext uri="{BB962C8B-B14F-4D97-AF65-F5344CB8AC3E}">
         <p14:creationId xmlns:p14="http://schemas.microsoft.com/office/powerpoint/2010/main" val="3396036694"/>
+      </p:ext>
+    </p:extLst>
+  </p:cSld>
+  <p:clrMapOvr>
+    <a:masterClrMapping/>
+  </p:clrMapOvr>
+</p:sld>
+</file>
+
+<file path=ppt/slides/slide3.xml><?xml version="1.0" encoding="utf-8"?>
+<p:sld xmlns:a="http://schemas.openxmlformats.org/drawingml/2006/main" xmlns:r="http://schemas.openxmlformats.org/officeDocument/2006/relationships" xmlns:p="http://schemas.openxmlformats.org/presentationml/2006/main">
+  <p:cSld>
+    <p:spTree>
+      <p:nvGrpSpPr>
+        <p:cNvPr id="1" name=""/>
+        <p:cNvGrpSpPr/>
+        <p:nvPr/>
+      </p:nvGrpSpPr>
+      <p:grpSpPr>
+        <a:xfrm>
+          <a:off x="0" y="0"/>
+          <a:ext cx="0" cy="0"/>
+          <a:chOff x="0" y="0"/>
+          <a:chExt cx="0" cy="0"/>
+        </a:xfrm>
+      </p:grpSpPr>
+      <p:sp>
+        <p:nvSpPr>
+          <p:cNvPr id="2" name="テキスト ボックス 1">
+            <a:extLst>
+              <a:ext uri="{FF2B5EF4-FFF2-40B4-BE49-F238E27FC236}">
+                <a16:creationId xmlns:a16="http://schemas.microsoft.com/office/drawing/2014/main" id="{A3DF5E62-75DE-AECB-87E4-46E96088CC58}"/>
+              </a:ext>
+            </a:extLst>
+          </p:cNvPr>
+          <p:cNvSpPr txBox="1"/>
+          <p:nvPr/>
+        </p:nvSpPr>
+        <p:spPr>
+          <a:xfrm>
+            <a:off x="314632" y="324464"/>
+            <a:ext cx="10863871" cy="1015663"/>
+          </a:xfrm>
+          <a:prstGeom prst="rect">
+            <a:avLst/>
+          </a:prstGeom>
+          <a:noFill/>
+        </p:spPr>
+        <p:txBody>
+          <a:bodyPr wrap="none" rtlCol="0">
+            <a:spAutoFit/>
+          </a:bodyPr>
+          <a:lstStyle/>
+          <a:p>
+            <a:r>
+              <a:rPr kumimoji="1" lang="ja-JP" altLang="en-US" sz="6000" dirty="0">
+                <a:latin typeface="メイリオ" panose="020B0604030504040204" pitchFamily="50" charset="-128"/>
+                <a:ea typeface="メイリオ" panose="020B0604030504040204" pitchFamily="50" charset="-128"/>
+              </a:rPr>
+              <a:t>各スキルの経験年月</a:t>
+            </a:r>
+            <a:r>
+              <a:rPr kumimoji="1" lang="en-US" altLang="ja-JP" sz="6000" dirty="0">
+                <a:latin typeface="メイリオ" panose="020B0604030504040204" pitchFamily="50" charset="-128"/>
+                <a:ea typeface="メイリオ" panose="020B0604030504040204" pitchFamily="50" charset="-128"/>
+              </a:rPr>
+              <a:t>(</a:t>
+            </a:r>
+            <a:r>
+              <a:rPr kumimoji="1" lang="ja-JP" altLang="en-US" sz="6000" dirty="0">
+                <a:latin typeface="メイリオ" panose="020B0604030504040204" pitchFamily="50" charset="-128"/>
+                <a:ea typeface="メイリオ" panose="020B0604030504040204" pitchFamily="50" charset="-128"/>
+              </a:rPr>
+              <a:t>ツール等</a:t>
+            </a:r>
+            <a:r>
+              <a:rPr kumimoji="1" lang="en-US" altLang="ja-JP" sz="6000" dirty="0">
+                <a:latin typeface="メイリオ" panose="020B0604030504040204" pitchFamily="50" charset="-128"/>
+                <a:ea typeface="メイリオ" panose="020B0604030504040204" pitchFamily="50" charset="-128"/>
+              </a:rPr>
+              <a:t>)</a:t>
+            </a:r>
+            <a:endParaRPr kumimoji="1" lang="ja-JP" altLang="en-US" sz="6000" dirty="0">
+              <a:latin typeface="メイリオ" panose="020B0604030504040204" pitchFamily="50" charset="-128"/>
+              <a:ea typeface="メイリオ" panose="020B0604030504040204" pitchFamily="50" charset="-128"/>
+            </a:endParaRPr>
+          </a:p>
+        </p:txBody>
+      </p:sp>
+      <p:sp>
+        <p:nvSpPr>
+          <p:cNvPr id="3" name="テキスト ボックス 2">
+            <a:extLst>
+              <a:ext uri="{FF2B5EF4-FFF2-40B4-BE49-F238E27FC236}">
+                <a16:creationId xmlns:a16="http://schemas.microsoft.com/office/drawing/2014/main" id="{85575484-16E9-0DA4-B114-B8D7A84F0EB4}"/>
+              </a:ext>
+            </a:extLst>
+          </p:cNvPr>
+          <p:cNvSpPr txBox="1"/>
+          <p:nvPr/>
+        </p:nvSpPr>
+        <p:spPr>
+          <a:xfrm>
+            <a:off x="893721" y="1337566"/>
+            <a:ext cx="11349582" cy="892552"/>
+          </a:xfrm>
+          <a:prstGeom prst="rect">
+            <a:avLst/>
+          </a:prstGeom>
+          <a:noFill/>
+        </p:spPr>
+        <p:txBody>
+          <a:bodyPr wrap="none" rtlCol="0">
+            <a:spAutoFit/>
+          </a:bodyPr>
+          <a:lstStyle/>
+          <a:p>
+            <a:r>
+              <a:rPr kumimoji="1" lang="en-US" altLang="ja-JP" sz="2800" dirty="0">
+                <a:latin typeface="メイリオ" panose="020B0604030504040204" pitchFamily="50" charset="-128"/>
+                <a:ea typeface="メイリオ" panose="020B0604030504040204" pitchFamily="50" charset="-128"/>
+              </a:rPr>
+              <a:t>DX</a:t>
+            </a:r>
+            <a:r>
+              <a:rPr kumimoji="1" lang="ja-JP" altLang="en-US" sz="2800" dirty="0">
+                <a:latin typeface="メイリオ" panose="020B0604030504040204" pitchFamily="50" charset="-128"/>
+                <a:ea typeface="メイリオ" panose="020B0604030504040204" pitchFamily="50" charset="-128"/>
+              </a:rPr>
+              <a:t>ライブラリ：</a:t>
+            </a:r>
+            <a:r>
+              <a:rPr kumimoji="1" lang="en-US" altLang="ja-JP" sz="2800" dirty="0">
+                <a:latin typeface="メイリオ" panose="020B0604030504040204" pitchFamily="50" charset="-128"/>
+                <a:ea typeface="メイリオ" panose="020B0604030504040204" pitchFamily="50" charset="-128"/>
+              </a:rPr>
+              <a:t>2</a:t>
+            </a:r>
+            <a:r>
+              <a:rPr kumimoji="1" lang="ja-JP" altLang="en-US" sz="2800" dirty="0">
+                <a:latin typeface="メイリオ" panose="020B0604030504040204" pitchFamily="50" charset="-128"/>
+                <a:ea typeface="メイリオ" panose="020B0604030504040204" pitchFamily="50" charset="-128"/>
+              </a:rPr>
+              <a:t>年</a:t>
+            </a:r>
+            <a:endParaRPr kumimoji="1" lang="en-US" altLang="ja-JP" sz="2800" dirty="0">
+              <a:latin typeface="メイリオ" panose="020B0604030504040204" pitchFamily="50" charset="-128"/>
+              <a:ea typeface="メイリオ" panose="020B0604030504040204" pitchFamily="50" charset="-128"/>
+            </a:endParaRPr>
+          </a:p>
+          <a:p>
+            <a:r>
+              <a:rPr kumimoji="1" lang="en-US" altLang="ja-JP" sz="2400" dirty="0">
+                <a:latin typeface="メイリオ" panose="020B0604030504040204" pitchFamily="50" charset="-128"/>
+                <a:ea typeface="メイリオ" panose="020B0604030504040204" pitchFamily="50" charset="-128"/>
+              </a:rPr>
+              <a:t>C++</a:t>
+            </a:r>
+            <a:r>
+              <a:rPr kumimoji="1" lang="ja-JP" altLang="en-US" sz="2400" dirty="0">
+                <a:latin typeface="メイリオ" panose="020B0604030504040204" pitchFamily="50" charset="-128"/>
+                <a:ea typeface="メイリオ" panose="020B0604030504040204" pitchFamily="50" charset="-128"/>
+              </a:rPr>
+              <a:t>でゲーム制作をする際に使用し、基礎的なリファレンス等を学びました。</a:t>
+            </a:r>
+          </a:p>
+        </p:txBody>
+      </p:sp>
+      <p:sp>
+        <p:nvSpPr>
+          <p:cNvPr id="6" name="テキスト ボックス 5">
+            <a:extLst>
+              <a:ext uri="{FF2B5EF4-FFF2-40B4-BE49-F238E27FC236}">
+                <a16:creationId xmlns:a16="http://schemas.microsoft.com/office/drawing/2014/main" id="{FB96A676-3512-AE44-A3AD-FBB0A4B70B41}"/>
+              </a:ext>
+            </a:extLst>
+          </p:cNvPr>
+          <p:cNvSpPr txBox="1"/>
+          <p:nvPr/>
+        </p:nvSpPr>
+        <p:spPr>
+          <a:xfrm>
+            <a:off x="893721" y="2160603"/>
+            <a:ext cx="11264622" cy="1261884"/>
+          </a:xfrm>
+          <a:prstGeom prst="rect">
+            <a:avLst/>
+          </a:prstGeom>
+          <a:noFill/>
+        </p:spPr>
+        <p:txBody>
+          <a:bodyPr wrap="none" rtlCol="0">
+            <a:spAutoFit/>
+          </a:bodyPr>
+          <a:lstStyle/>
+          <a:p>
+            <a:r>
+              <a:rPr kumimoji="1" lang="en-US" altLang="ja-JP" sz="2800" dirty="0">
+                <a:latin typeface="メイリオ" panose="020B0604030504040204" pitchFamily="50" charset="-128"/>
+                <a:ea typeface="メイリオ" panose="020B0604030504040204" pitchFamily="50" charset="-128"/>
+              </a:rPr>
+              <a:t>GitHub</a:t>
+            </a:r>
+            <a:r>
+              <a:rPr kumimoji="1" lang="ja-JP" altLang="en-US" sz="2800" dirty="0">
+                <a:latin typeface="メイリオ" panose="020B0604030504040204" pitchFamily="50" charset="-128"/>
+                <a:ea typeface="メイリオ" panose="020B0604030504040204" pitchFamily="50" charset="-128"/>
+              </a:rPr>
+              <a:t>：</a:t>
+            </a:r>
+            <a:r>
+              <a:rPr kumimoji="1" lang="en-US" altLang="ja-JP" sz="2800" dirty="0">
+                <a:latin typeface="メイリオ" panose="020B0604030504040204" pitchFamily="50" charset="-128"/>
+                <a:ea typeface="メイリオ" panose="020B0604030504040204" pitchFamily="50" charset="-128"/>
+              </a:rPr>
+              <a:t>2</a:t>
+            </a:r>
+            <a:r>
+              <a:rPr kumimoji="1" lang="ja-JP" altLang="en-US" sz="2800" dirty="0">
+                <a:latin typeface="メイリオ" panose="020B0604030504040204" pitchFamily="50" charset="-128"/>
+                <a:ea typeface="メイリオ" panose="020B0604030504040204" pitchFamily="50" charset="-128"/>
+              </a:rPr>
+              <a:t>年</a:t>
+            </a:r>
+            <a:endParaRPr kumimoji="1" lang="en-US" altLang="ja-JP" sz="2800" dirty="0">
+              <a:latin typeface="メイリオ" panose="020B0604030504040204" pitchFamily="50" charset="-128"/>
+              <a:ea typeface="メイリオ" panose="020B0604030504040204" pitchFamily="50" charset="-128"/>
+            </a:endParaRPr>
+          </a:p>
+          <a:p>
+            <a:r>
+              <a:rPr kumimoji="1" lang="ja-JP" altLang="en-US" sz="2400" dirty="0">
+                <a:latin typeface="メイリオ" panose="020B0604030504040204" pitchFamily="50" charset="-128"/>
+                <a:ea typeface="メイリオ" panose="020B0604030504040204" pitchFamily="50" charset="-128"/>
+              </a:rPr>
+              <a:t>基礎的な知識やチーム制作を進めるうえで必要となる知識を学び、チーム制作を</a:t>
+            </a:r>
+            <a:endParaRPr kumimoji="1" lang="en-US" altLang="ja-JP" sz="2400" dirty="0">
+              <a:latin typeface="メイリオ" panose="020B0604030504040204" pitchFamily="50" charset="-128"/>
+              <a:ea typeface="メイリオ" panose="020B0604030504040204" pitchFamily="50" charset="-128"/>
+            </a:endParaRPr>
+          </a:p>
+          <a:p>
+            <a:r>
+              <a:rPr kumimoji="1" lang="ja-JP" altLang="en-US" sz="2400" dirty="0">
+                <a:latin typeface="メイリオ" panose="020B0604030504040204" pitchFamily="50" charset="-128"/>
+                <a:ea typeface="メイリオ" panose="020B0604030504040204" pitchFamily="50" charset="-128"/>
+              </a:rPr>
+              <a:t>するさいにはチーム全体のバージョン管理を行いました。</a:t>
+            </a:r>
+          </a:p>
+        </p:txBody>
+      </p:sp>
+      <p:sp>
+        <p:nvSpPr>
+          <p:cNvPr id="7" name="テキスト ボックス 6">
+            <a:extLst>
+              <a:ext uri="{FF2B5EF4-FFF2-40B4-BE49-F238E27FC236}">
+                <a16:creationId xmlns:a16="http://schemas.microsoft.com/office/drawing/2014/main" id="{809D0BAA-F62B-A7A1-A291-D79A3E3CD03F}"/>
+              </a:ext>
+            </a:extLst>
+          </p:cNvPr>
+          <p:cNvSpPr txBox="1"/>
+          <p:nvPr/>
+        </p:nvSpPr>
+        <p:spPr>
+          <a:xfrm>
+            <a:off x="893721" y="3394617"/>
+            <a:ext cx="10348089" cy="1261884"/>
+          </a:xfrm>
+          <a:prstGeom prst="rect">
+            <a:avLst/>
+          </a:prstGeom>
+          <a:noFill/>
+        </p:spPr>
+        <p:txBody>
+          <a:bodyPr wrap="none" rtlCol="0">
+            <a:spAutoFit/>
+          </a:bodyPr>
+          <a:lstStyle/>
+          <a:p>
+            <a:r>
+              <a:rPr kumimoji="1" lang="en-US" altLang="ja-JP" sz="2800" dirty="0">
+                <a:latin typeface="メイリオ" panose="020B0604030504040204" pitchFamily="50" charset="-128"/>
+                <a:ea typeface="メイリオ" panose="020B0604030504040204" pitchFamily="50" charset="-128"/>
+              </a:rPr>
+              <a:t>Unity </a:t>
+            </a:r>
+            <a:r>
+              <a:rPr kumimoji="1" lang="ja-JP" altLang="en-US" sz="2800" dirty="0">
+                <a:latin typeface="メイリオ" panose="020B0604030504040204" pitchFamily="50" charset="-128"/>
+                <a:ea typeface="メイリオ" panose="020B0604030504040204" pitchFamily="50" charset="-128"/>
+              </a:rPr>
+              <a:t>：</a:t>
+            </a:r>
+            <a:r>
+              <a:rPr kumimoji="1" lang="en-US" altLang="ja-JP" sz="2800" dirty="0">
+                <a:latin typeface="メイリオ" panose="020B0604030504040204" pitchFamily="50" charset="-128"/>
+                <a:ea typeface="メイリオ" panose="020B0604030504040204" pitchFamily="50" charset="-128"/>
+              </a:rPr>
+              <a:t>1</a:t>
+            </a:r>
+            <a:r>
+              <a:rPr kumimoji="1" lang="ja-JP" altLang="en-US" sz="2800" dirty="0">
+                <a:latin typeface="メイリオ" panose="020B0604030504040204" pitchFamily="50" charset="-128"/>
+                <a:ea typeface="メイリオ" panose="020B0604030504040204" pitchFamily="50" charset="-128"/>
+              </a:rPr>
+              <a:t>年</a:t>
+            </a:r>
+            <a:r>
+              <a:rPr kumimoji="1" lang="en-US" altLang="ja-JP" sz="2800" dirty="0">
+                <a:latin typeface="メイリオ" panose="020B0604030504040204" pitchFamily="50" charset="-128"/>
+                <a:ea typeface="メイリオ" panose="020B0604030504040204" pitchFamily="50" charset="-128"/>
+              </a:rPr>
+              <a:t>6</a:t>
+            </a:r>
+            <a:r>
+              <a:rPr kumimoji="1" lang="ja-JP" altLang="en-US" sz="2800" dirty="0">
+                <a:latin typeface="メイリオ" panose="020B0604030504040204" pitchFamily="50" charset="-128"/>
+                <a:ea typeface="メイリオ" panose="020B0604030504040204" pitchFamily="50" charset="-128"/>
+              </a:rPr>
+              <a:t>カ月</a:t>
+            </a:r>
+            <a:endParaRPr kumimoji="1" lang="en-US" altLang="ja-JP" sz="2800" dirty="0">
+              <a:latin typeface="メイリオ" panose="020B0604030504040204" pitchFamily="50" charset="-128"/>
+              <a:ea typeface="メイリオ" panose="020B0604030504040204" pitchFamily="50" charset="-128"/>
+            </a:endParaRPr>
+          </a:p>
+          <a:p>
+            <a:r>
+              <a:rPr kumimoji="1" lang="en-US" altLang="ja-JP" sz="2400" dirty="0">
+                <a:latin typeface="メイリオ" panose="020B0604030504040204" pitchFamily="50" charset="-128"/>
+                <a:ea typeface="メイリオ" panose="020B0604030504040204" pitchFamily="50" charset="-128"/>
+              </a:rPr>
+              <a:t>Unity</a:t>
+            </a:r>
+            <a:r>
+              <a:rPr kumimoji="1" lang="ja-JP" altLang="en-US" sz="2400" dirty="0">
+                <a:latin typeface="メイリオ" panose="020B0604030504040204" pitchFamily="50" charset="-128"/>
+                <a:ea typeface="メイリオ" panose="020B0604030504040204" pitchFamily="50" charset="-128"/>
+              </a:rPr>
+              <a:t>を使用し、</a:t>
+            </a:r>
+            <a:r>
+              <a:rPr kumimoji="1" lang="en-US" altLang="ja-JP" sz="2400" dirty="0">
+                <a:latin typeface="メイリオ" panose="020B0604030504040204" pitchFamily="50" charset="-128"/>
+                <a:ea typeface="メイリオ" panose="020B0604030504040204" pitchFamily="50" charset="-128"/>
+              </a:rPr>
+              <a:t>C#</a:t>
+            </a:r>
+            <a:r>
+              <a:rPr kumimoji="1" lang="ja-JP" altLang="en-US" sz="2400" dirty="0">
+                <a:latin typeface="メイリオ" panose="020B0604030504040204" pitchFamily="50" charset="-128"/>
+                <a:ea typeface="メイリオ" panose="020B0604030504040204" pitchFamily="50" charset="-128"/>
+              </a:rPr>
+              <a:t>やベクトルや行列、クォータニオン等のゲーム数学を</a:t>
+            </a:r>
+            <a:endParaRPr kumimoji="1" lang="en-US" altLang="ja-JP" sz="2400" dirty="0">
+              <a:latin typeface="メイリオ" panose="020B0604030504040204" pitchFamily="50" charset="-128"/>
+              <a:ea typeface="メイリオ" panose="020B0604030504040204" pitchFamily="50" charset="-128"/>
+            </a:endParaRPr>
+          </a:p>
+          <a:p>
+            <a:r>
+              <a:rPr kumimoji="1" lang="ja-JP" altLang="en-US" sz="2400" dirty="0">
+                <a:latin typeface="メイリオ" panose="020B0604030504040204" pitchFamily="50" charset="-128"/>
+                <a:ea typeface="メイリオ" panose="020B0604030504040204" pitchFamily="50" charset="-128"/>
+              </a:rPr>
+              <a:t>学びました。そして、ゲーム制作でも使用し、</a:t>
+            </a:r>
+            <a:r>
+              <a:rPr kumimoji="1" lang="en-US" altLang="ja-JP" sz="2400" dirty="0">
+                <a:latin typeface="メイリオ" panose="020B0604030504040204" pitchFamily="50" charset="-128"/>
+                <a:ea typeface="メイリオ" panose="020B0604030504040204" pitchFamily="50" charset="-128"/>
+              </a:rPr>
+              <a:t>4</a:t>
+            </a:r>
+            <a:r>
+              <a:rPr kumimoji="1" lang="ja-JP" altLang="en-US" sz="2400" dirty="0">
+                <a:latin typeface="メイリオ" panose="020B0604030504040204" pitchFamily="50" charset="-128"/>
+                <a:ea typeface="メイリオ" panose="020B0604030504040204" pitchFamily="50" charset="-128"/>
+              </a:rPr>
+              <a:t>作品制作しました。</a:t>
+            </a:r>
+          </a:p>
+        </p:txBody>
+      </p:sp>
+      <p:sp>
+        <p:nvSpPr>
+          <p:cNvPr id="8" name="テキスト ボックス 7">
+            <a:extLst>
+              <a:ext uri="{FF2B5EF4-FFF2-40B4-BE49-F238E27FC236}">
+                <a16:creationId xmlns:a16="http://schemas.microsoft.com/office/drawing/2014/main" id="{01C2C17B-D3B5-A4EB-0A21-D6242CE62115}"/>
+              </a:ext>
+            </a:extLst>
+          </p:cNvPr>
+          <p:cNvSpPr txBox="1"/>
+          <p:nvPr/>
+        </p:nvSpPr>
+        <p:spPr>
+          <a:xfrm>
+            <a:off x="893720" y="4613448"/>
+            <a:ext cx="10956846" cy="1261884"/>
+          </a:xfrm>
+          <a:prstGeom prst="rect">
+            <a:avLst/>
+          </a:prstGeom>
+          <a:noFill/>
+        </p:spPr>
+        <p:txBody>
+          <a:bodyPr wrap="none" rtlCol="0">
+            <a:spAutoFit/>
+          </a:bodyPr>
+          <a:lstStyle/>
+          <a:p>
+            <a:r>
+              <a:rPr kumimoji="1" lang="en-US" altLang="ja-JP" sz="2800" dirty="0">
+                <a:latin typeface="メイリオ" panose="020B0604030504040204" pitchFamily="50" charset="-128"/>
+                <a:ea typeface="メイリオ" panose="020B0604030504040204" pitchFamily="50" charset="-128"/>
+              </a:rPr>
+              <a:t>Maya</a:t>
+            </a:r>
+            <a:r>
+              <a:rPr kumimoji="1" lang="ja-JP" altLang="en-US" sz="2800" dirty="0">
+                <a:latin typeface="メイリオ" panose="020B0604030504040204" pitchFamily="50" charset="-128"/>
+                <a:ea typeface="メイリオ" panose="020B0604030504040204" pitchFamily="50" charset="-128"/>
+              </a:rPr>
+              <a:t>：</a:t>
+            </a:r>
+            <a:r>
+              <a:rPr kumimoji="1" lang="en-US" altLang="ja-JP" sz="2800" dirty="0">
+                <a:latin typeface="メイリオ" panose="020B0604030504040204" pitchFamily="50" charset="-128"/>
+                <a:ea typeface="メイリオ" panose="020B0604030504040204" pitchFamily="50" charset="-128"/>
+              </a:rPr>
+              <a:t>6</a:t>
+            </a:r>
+            <a:r>
+              <a:rPr kumimoji="1" lang="ja-JP" altLang="en-US" sz="2800" dirty="0">
+                <a:latin typeface="メイリオ" panose="020B0604030504040204" pitchFamily="50" charset="-128"/>
+                <a:ea typeface="メイリオ" panose="020B0604030504040204" pitchFamily="50" charset="-128"/>
+              </a:rPr>
+              <a:t>カ月</a:t>
+            </a:r>
+            <a:endParaRPr kumimoji="1" lang="en-US" altLang="ja-JP" sz="2800" dirty="0">
+              <a:latin typeface="メイリオ" panose="020B0604030504040204" pitchFamily="50" charset="-128"/>
+              <a:ea typeface="メイリオ" panose="020B0604030504040204" pitchFamily="50" charset="-128"/>
+            </a:endParaRPr>
+          </a:p>
+          <a:p>
+            <a:r>
+              <a:rPr kumimoji="1" lang="ja-JP" altLang="en-US" sz="2400" dirty="0">
+                <a:latin typeface="メイリオ" panose="020B0604030504040204" pitchFamily="50" charset="-128"/>
+                <a:ea typeface="メイリオ" panose="020B0604030504040204" pitchFamily="50" charset="-128"/>
+              </a:rPr>
+              <a:t>モデリングやモーションの制作を学びました。そして、チーム制作を行う際に</a:t>
+            </a:r>
+            <a:endParaRPr kumimoji="1" lang="en-US" altLang="ja-JP" sz="2400" dirty="0">
+              <a:latin typeface="メイリオ" panose="020B0604030504040204" pitchFamily="50" charset="-128"/>
+              <a:ea typeface="メイリオ" panose="020B0604030504040204" pitchFamily="50" charset="-128"/>
+            </a:endParaRPr>
+          </a:p>
+          <a:p>
+            <a:r>
+              <a:rPr kumimoji="1" lang="ja-JP" altLang="en-US" sz="2400" dirty="0">
+                <a:latin typeface="メイリオ" panose="020B0604030504040204" pitchFamily="50" charset="-128"/>
+                <a:ea typeface="メイリオ" panose="020B0604030504040204" pitchFamily="50" charset="-128"/>
+              </a:rPr>
+              <a:t>モーションを確認する際に使用していました。</a:t>
+            </a:r>
+          </a:p>
+        </p:txBody>
+      </p:sp>
+    </p:spTree>
+    <p:extLst>
+      <p:ext uri="{BB962C8B-B14F-4D97-AF65-F5344CB8AC3E}">
+        <p14:creationId xmlns:p14="http://schemas.microsoft.com/office/powerpoint/2010/main" val="1349699741"/>
       </p:ext>
     </p:extLst>
   </p:cSld>
